--- a/docs/yuz/1009汇报.pptx
+++ b/docs/yuz/1009汇报.pptx
@@ -15,6 +15,7 @@
     <p:sldId id="264" r:id="rId9"/>
     <p:sldId id="261" r:id="rId10"/>
     <p:sldId id="265" r:id="rId11"/>
+    <p:sldId id="266" r:id="rId12"/>
   </p:sldIdLst>
   <p:sldSz cx="12192000" cy="6858000"/>
   <p:notesSz cx="6858000" cy="9144000"/>
@@ -113,6 +114,11 @@
       </a:defRPr>
     </a:lvl9pPr>
   </p:defaultTextStyle>
+  <p:extLst>
+    <p:ext uri="{EFAFB233-063F-42B5-8137-9DF3F51BA10A}">
+      <p15:sldGuideLst xmlns:p15="http://schemas.microsoft.com/office/powerpoint/2012/main"/>
+    </p:ext>
+  </p:extLst>
 </p:presentation>
 </file>
 
@@ -3774,6 +3780,379 @@
 </p:sld>
 </file>
 
+<file path=ppt/slides/slide11.xml><?xml version="1.0" encoding="utf-8"?>
+<p:sld xmlns:a="http://schemas.openxmlformats.org/drawingml/2006/main" xmlns:r="http://schemas.openxmlformats.org/officeDocument/2006/relationships" xmlns:p="http://schemas.openxmlformats.org/presentationml/2006/main">
+  <p:cSld>
+    <p:spTree>
+      <p:nvGrpSpPr>
+        <p:cNvPr id="1" name=""/>
+        <p:cNvGrpSpPr/>
+        <p:nvPr/>
+      </p:nvGrpSpPr>
+      <p:grpSpPr>
+        <a:xfrm>
+          <a:off x="0" y="0"/>
+          <a:ext cx="0" cy="0"/>
+          <a:chOff x="0" y="0"/>
+          <a:chExt cx="0" cy="0"/>
+        </a:xfrm>
+      </p:grpSpPr>
+      <p:sp>
+        <p:nvSpPr>
+          <p:cNvPr id="4" name="矩形 3">
+            <a:extLst>
+              <a:ext uri="{FF2B5EF4-FFF2-40B4-BE49-F238E27FC236}">
+                <a16:creationId xmlns:a16="http://schemas.microsoft.com/office/drawing/2014/main" id="{9A3A5579-61FE-1D13-890F-0A02AC1A1E9D}"/>
+              </a:ext>
+            </a:extLst>
+          </p:cNvPr>
+          <p:cNvSpPr/>
+          <p:nvPr/>
+        </p:nvSpPr>
+        <p:spPr>
+          <a:xfrm>
+            <a:off x="124162" y="239634"/>
+            <a:ext cx="2954656" cy="923330"/>
+          </a:xfrm>
+          <a:prstGeom prst="rect">
+            <a:avLst/>
+          </a:prstGeom>
+          <a:noFill/>
+        </p:spPr>
+        <p:txBody>
+          <a:bodyPr wrap="none" lIns="91440" tIns="45720" rIns="91440" bIns="45720">
+            <a:spAutoFit/>
+          </a:bodyPr>
+          <a:lstStyle/>
+          <a:p>
+            <a:pPr algn="ctr"/>
+            <a:r>
+              <a:rPr lang="zh-CN" altLang="en-US" sz="5400" b="0" cap="none" spc="0" dirty="0">
+                <a:ln w="0"/>
+                <a:solidFill>
+                  <a:schemeClr val="tx1"/>
+                </a:solidFill>
+                <a:effectLst>
+                  <a:outerShdw blurRad="38100" dist="19050" dir="2700000" algn="tl" rotWithShape="0">
+                    <a:schemeClr val="dk1">
+                      <a:alpha val="40000"/>
+                    </a:schemeClr>
+                  </a:outerShdw>
+                </a:effectLst>
+              </a:rPr>
+              <a:t>遇到问题</a:t>
+            </a:r>
+          </a:p>
+        </p:txBody>
+      </p:sp>
+      <p:sp>
+        <p:nvSpPr>
+          <p:cNvPr id="5" name="文本框 4">
+            <a:extLst>
+              <a:ext uri="{FF2B5EF4-FFF2-40B4-BE49-F238E27FC236}">
+                <a16:creationId xmlns:a16="http://schemas.microsoft.com/office/drawing/2014/main" id="{FB1213E5-F1B4-8076-7CC4-307CB0EEB07C}"/>
+              </a:ext>
+            </a:extLst>
+          </p:cNvPr>
+          <p:cNvSpPr txBox="1"/>
+          <p:nvPr/>
+        </p:nvSpPr>
+        <p:spPr>
+          <a:xfrm>
+            <a:off x="1387098" y="1186211"/>
+            <a:ext cx="7911885" cy="6001643"/>
+          </a:xfrm>
+          <a:prstGeom prst="rect">
+            <a:avLst/>
+          </a:prstGeom>
+          <a:noFill/>
+        </p:spPr>
+        <p:txBody>
+          <a:bodyPr wrap="square" rtlCol="0">
+            <a:spAutoFit/>
+          </a:bodyPr>
+          <a:lstStyle/>
+          <a:p>
+            <a:pPr marL="457200" indent="-457200">
+              <a:buFont typeface="Wingdings" panose="05000000000000000000" pitchFamily="2" charset="2"/>
+              <a:buChar char="l"/>
+            </a:pPr>
+            <a:r>
+              <a:rPr lang="zh-CN" altLang="en-US" sz="2800" dirty="0"/>
+              <a:t>遇到问题</a:t>
+            </a:r>
+            <a:r>
+              <a:rPr lang="en-US" altLang="zh-CN" sz="2800" dirty="0"/>
+              <a:t>git</a:t>
+            </a:r>
+            <a:r>
+              <a:rPr lang="zh-CN" altLang="en-US" sz="2800" dirty="0"/>
+              <a:t>仓库无权限上传</a:t>
+            </a:r>
+            <a:endParaRPr lang="en-US" altLang="zh-CN" sz="2800" dirty="0"/>
+          </a:p>
+          <a:p>
+            <a:pPr marL="914400" lvl="1" indent="-457200">
+              <a:buFont typeface="Wingdings" panose="05000000000000000000" pitchFamily="2" charset="2"/>
+              <a:buChar char="l"/>
+            </a:pPr>
+            <a:r>
+              <a:rPr lang="zh-CN" altLang="en-US" sz="2800" dirty="0"/>
+              <a:t>经行尝试：</a:t>
+            </a:r>
+            <a:endParaRPr lang="en-US" altLang="zh-CN" sz="2800" dirty="0"/>
+          </a:p>
+          <a:p>
+            <a:pPr marL="1371600" lvl="2" indent="-457200">
+              <a:buFont typeface="Wingdings" panose="05000000000000000000" pitchFamily="2" charset="2"/>
+              <a:buChar char="l"/>
+            </a:pPr>
+            <a:r>
+              <a:rPr lang="zh-CN" altLang="en-US" sz="2800" dirty="0"/>
+              <a:t>让仓库管理员添加</a:t>
+            </a:r>
+            <a:r>
+              <a:rPr lang="en-US" altLang="zh-CN" sz="2800" dirty="0"/>
+              <a:t>owner</a:t>
+            </a:r>
+            <a:r>
+              <a:rPr lang="zh-CN" altLang="en-US" sz="2800" dirty="0"/>
+              <a:t>（失败）</a:t>
+            </a:r>
+            <a:endParaRPr lang="en-US" altLang="zh-CN" sz="2800" dirty="0"/>
+          </a:p>
+          <a:p>
+            <a:pPr marL="1371600" lvl="2" indent="-457200">
+              <a:buFont typeface="Wingdings" panose="05000000000000000000" pitchFamily="2" charset="2"/>
+              <a:buChar char="l"/>
+            </a:pPr>
+            <a:r>
+              <a:rPr lang="zh-CN" altLang="en-US" sz="2800" dirty="0"/>
+              <a:t>怀疑</a:t>
+            </a:r>
+            <a:r>
+              <a:rPr lang="en-US" altLang="zh-CN" sz="2800" dirty="0" err="1"/>
+              <a:t>pycharm</a:t>
+            </a:r>
+            <a:r>
+              <a:rPr lang="zh-CN" altLang="en-US" sz="2800" dirty="0"/>
+              <a:t>问题（删除</a:t>
+            </a:r>
+            <a:r>
+              <a:rPr lang="en-US" altLang="zh-CN" sz="2800" dirty="0"/>
+              <a:t>windows</a:t>
+            </a:r>
+            <a:r>
+              <a:rPr lang="zh-CN" altLang="en-US" sz="2800" dirty="0"/>
+              <a:t>凭据，使用命令行试错）</a:t>
+            </a:r>
+            <a:endParaRPr lang="en-US" altLang="zh-CN" sz="2800" dirty="0"/>
+          </a:p>
+          <a:p>
+            <a:pPr marL="1828800" lvl="3" indent="-457200">
+              <a:buFont typeface="Wingdings" panose="05000000000000000000" pitchFamily="2" charset="2"/>
+              <a:buChar char="l"/>
+            </a:pPr>
+            <a:r>
+              <a:rPr lang="en-US" altLang="zh-CN" dirty="0"/>
+              <a:t>git config --global user.name "</a:t>
+            </a:r>
+            <a:r>
+              <a:rPr lang="zh-CN" altLang="en-US" dirty="0"/>
+              <a:t>你的</a:t>
+            </a:r>
+            <a:r>
+              <a:rPr lang="en-US" altLang="zh-CN" dirty="0"/>
+              <a:t>GitHub</a:t>
+            </a:r>
+            <a:r>
+              <a:rPr lang="zh-CN" altLang="en-US" dirty="0"/>
+              <a:t>用户名</a:t>
+            </a:r>
+            <a:r>
+              <a:rPr lang="en-US" altLang="zh-CN" dirty="0"/>
+              <a:t>" git config --global </a:t>
+            </a:r>
+            <a:r>
+              <a:rPr lang="en-US" altLang="zh-CN" dirty="0" err="1"/>
+              <a:t>user.email</a:t>
+            </a:r>
+            <a:r>
+              <a:rPr lang="en-US" altLang="zh-CN" dirty="0"/>
+              <a:t> "</a:t>
+            </a:r>
+            <a:r>
+              <a:rPr lang="zh-CN" altLang="en-US" dirty="0"/>
+              <a:t>你的</a:t>
+            </a:r>
+            <a:r>
+              <a:rPr lang="en-US" altLang="zh-CN" dirty="0"/>
+              <a:t>GitHub</a:t>
+            </a:r>
+            <a:r>
+              <a:rPr lang="zh-CN" altLang="en-US" dirty="0"/>
+              <a:t>注册邮箱</a:t>
+            </a:r>
+            <a:r>
+              <a:rPr lang="en-US" altLang="zh-CN" dirty="0"/>
+              <a:t>“</a:t>
+            </a:r>
+          </a:p>
+          <a:p>
+            <a:pPr marL="1828800" lvl="3" indent="-457200">
+              <a:buFont typeface="Wingdings" panose="05000000000000000000" pitchFamily="2" charset="2"/>
+              <a:buChar char="l"/>
+            </a:pPr>
+            <a:r>
+              <a:rPr lang="en-US" altLang="zh-CN" dirty="0"/>
+              <a:t>git add tools/convert_gongtongt_txt_to_csv.py</a:t>
+            </a:r>
+          </a:p>
+          <a:p>
+            <a:pPr marL="1828800" lvl="3" indent="-457200">
+              <a:buFont typeface="Wingdings" panose="05000000000000000000" pitchFamily="2" charset="2"/>
+              <a:buChar char="l"/>
+            </a:pPr>
+            <a:r>
+              <a:rPr lang="en-US" altLang="zh-CN" dirty="0"/>
+              <a:t>git commit -m "</a:t>
+            </a:r>
+            <a:r>
+              <a:rPr lang="zh-CN" altLang="en-US" dirty="0"/>
+              <a:t>描述你的修改，例如：更新</a:t>
+            </a:r>
+            <a:r>
+              <a:rPr lang="en-US" altLang="zh-CN" dirty="0"/>
+              <a:t>.idea</a:t>
+            </a:r>
+            <a:r>
+              <a:rPr lang="zh-CN" altLang="en-US" dirty="0"/>
+              <a:t>配置，修改转换脚本</a:t>
+            </a:r>
+            <a:r>
+              <a:rPr lang="en-US" altLang="zh-CN" dirty="0"/>
+              <a:t>“</a:t>
+            </a:r>
+          </a:p>
+          <a:p>
+            <a:pPr marL="1828800" lvl="3" indent="-457200">
+              <a:buFont typeface="Wingdings" panose="05000000000000000000" pitchFamily="2" charset="2"/>
+              <a:buChar char="l"/>
+            </a:pPr>
+            <a:r>
+              <a:rPr lang="zh-CN" altLang="en-US" dirty="0"/>
+              <a:t>尝试后发现开始直接终端命令行提交失败，设置</a:t>
+            </a:r>
+            <a:r>
+              <a:rPr lang="en-US" altLang="zh-CN" dirty="0"/>
+              <a:t>git</a:t>
+            </a:r>
+            <a:r>
+              <a:rPr lang="zh-CN" altLang="en-US" dirty="0"/>
+              <a:t>的用户名可以提交</a:t>
+            </a:r>
+            <a:endParaRPr lang="en-US" altLang="zh-CN" dirty="0"/>
+          </a:p>
+          <a:p>
+            <a:pPr marL="1371600" lvl="2" indent="-457200">
+              <a:buFont typeface="Wingdings" panose="05000000000000000000" pitchFamily="2" charset="2"/>
+              <a:buChar char="l"/>
+            </a:pPr>
+            <a:r>
+              <a:rPr lang="zh-CN" altLang="en-US" dirty="0"/>
+              <a:t>最后修改</a:t>
+            </a:r>
+            <a:r>
+              <a:rPr lang="en-US" altLang="zh-CN" dirty="0" err="1"/>
+              <a:t>pycharm</a:t>
+            </a:r>
+            <a:r>
+              <a:rPr lang="zh-CN" altLang="en-US" dirty="0"/>
+              <a:t>，使用</a:t>
+            </a:r>
+            <a:r>
+              <a:rPr lang="en-US" altLang="zh-CN" dirty="0"/>
+              <a:t>token</a:t>
+            </a:r>
+          </a:p>
+          <a:p>
+            <a:pPr marL="1828800" lvl="3" indent="-457200">
+              <a:buFont typeface="Wingdings" panose="05000000000000000000" pitchFamily="2" charset="2"/>
+              <a:buChar char="l"/>
+            </a:pPr>
+            <a:r>
+              <a:rPr lang="en-US" altLang="zh-CN" b="1" dirty="0"/>
+              <a:t>Fine-grained personal access tokens</a:t>
+            </a:r>
+            <a:r>
+              <a:rPr lang="zh-CN" altLang="en-US" b="1" dirty="0"/>
+              <a:t>（开始使用失败）</a:t>
+            </a:r>
+            <a:endParaRPr lang="en-US" altLang="zh-CN" b="1" dirty="0"/>
+          </a:p>
+          <a:p>
+            <a:pPr marL="1828800" lvl="3" indent="-457200">
+              <a:buFont typeface="Wingdings" panose="05000000000000000000" pitchFamily="2" charset="2"/>
+              <a:buChar char="l"/>
+            </a:pPr>
+            <a:r>
+              <a:rPr lang="en-US" altLang="zh-CN" b="1" dirty="0"/>
+              <a:t>Personal access tokens (classic)</a:t>
+            </a:r>
+            <a:r>
+              <a:rPr lang="zh-CN" altLang="en-US" b="1" dirty="0"/>
+              <a:t>使用并勾选所有权限成功</a:t>
+            </a:r>
+            <a:endParaRPr lang="en-US" altLang="zh-CN" b="1" dirty="0"/>
+          </a:p>
+          <a:p>
+            <a:pPr marL="1828800" lvl="3" indent="-457200">
+              <a:buFont typeface="Wingdings" panose="05000000000000000000" pitchFamily="2" charset="2"/>
+              <a:buChar char="l"/>
+            </a:pPr>
+            <a:r>
+              <a:rPr lang="zh-CN" altLang="en-US" b="1" dirty="0"/>
+              <a:t>编写</a:t>
+            </a:r>
+            <a:r>
+              <a:rPr lang="en-US" altLang="zh-CN" b="1" dirty="0" err="1"/>
+              <a:t>csdn</a:t>
+            </a:r>
+            <a:r>
+              <a:rPr lang="zh-CN" altLang="en-US" b="1" dirty="0"/>
+              <a:t>博客</a:t>
+            </a:r>
+            <a:endParaRPr lang="en-US" altLang="zh-CN" b="1" dirty="0"/>
+          </a:p>
+          <a:p>
+            <a:pPr marL="1828800" lvl="3" indent="-457200">
+              <a:buFont typeface="Wingdings" panose="05000000000000000000" pitchFamily="2" charset="2"/>
+              <a:buChar char="l"/>
+            </a:pPr>
+            <a:endParaRPr lang="en-US" altLang="zh-CN" dirty="0"/>
+          </a:p>
+          <a:p>
+            <a:pPr marL="1828800" lvl="3" indent="-457200">
+              <a:buFont typeface="Wingdings" panose="05000000000000000000" pitchFamily="2" charset="2"/>
+              <a:buChar char="l"/>
+            </a:pPr>
+            <a:endParaRPr lang="zh-CN" altLang="en-US" sz="2800" dirty="0"/>
+          </a:p>
+        </p:txBody>
+      </p:sp>
+    </p:spTree>
+    <p:extLst>
+      <p:ext uri="{BB962C8B-B14F-4D97-AF65-F5344CB8AC3E}">
+        <p14:creationId xmlns:p14="http://schemas.microsoft.com/office/powerpoint/2010/main" val="30875837"/>
+      </p:ext>
+    </p:extLst>
+  </p:cSld>
+  <p:clrMapOvr>
+    <a:masterClrMapping/>
+  </p:clrMapOvr>
+</p:sld>
+</file>
+
 <file path=ppt/slides/slide2.xml><?xml version="1.0" encoding="utf-8"?>
 <p:sld xmlns:a="http://schemas.openxmlformats.org/drawingml/2006/main" xmlns:r="http://schemas.openxmlformats.org/officeDocument/2006/relationships" xmlns:p="http://schemas.openxmlformats.org/presentationml/2006/main">
   <p:cSld>
@@ -3806,7 +4185,7 @@
         <p:spPr>
           <a:xfrm>
             <a:off x="1007389" y="565688"/>
-            <a:ext cx="9787179" cy="4401205"/>
+            <a:ext cx="9787179" cy="5693866"/>
           </a:xfrm>
           <a:prstGeom prst="rect">
             <a:avLst/>
@@ -3866,6 +4245,13 @@
               <a:rPr lang="zh-CN" altLang="en-US" sz="2800" dirty="0"/>
               <a:t>完成成果物：</a:t>
             </a:r>
+            <a:endParaRPr lang="en-US" altLang="zh-CN" sz="2800" dirty="0"/>
+          </a:p>
+          <a:p>
+            <a:pPr marL="457200" indent="-457200">
+              <a:buFont typeface="Arial" panose="020B0604020202020204" pitchFamily="34" charset="0"/>
+              <a:buChar char="•"/>
+            </a:pPr>
             <a:r>
               <a:rPr lang="en-US" altLang="zh-CN" sz="2800" dirty="0"/>
               <a:t>database</a:t>
@@ -3880,7 +4266,18 @@
             </a:r>
             <a:r>
               <a:rPr lang="zh-CN" altLang="en-US" sz="2800" dirty="0"/>
-              <a:t>一些数据库操作的代码编写，毛概题目的导入（</a:t>
+              <a:t>（一些数据库操作的代码编写）</a:t>
+            </a:r>
+            <a:endParaRPr lang="en-US" altLang="zh-CN" sz="2800" dirty="0"/>
+          </a:p>
+          <a:p>
+            <a:pPr marL="457200" indent="-457200">
+              <a:buFont typeface="Arial" panose="020B0604020202020204" pitchFamily="34" charset="0"/>
+              <a:buChar char="•"/>
+            </a:pPr>
+            <a:r>
+              <a:rPr lang="zh-CN" altLang="en-US" sz="2800" dirty="0"/>
+              <a:t>毛概题目的导入（</a:t>
             </a:r>
             <a:r>
               <a:rPr lang="en-US" altLang="zh-CN" sz="2800" dirty="0"/>
@@ -3888,7 +4285,18 @@
             </a:r>
             <a:r>
               <a:rPr lang="zh-CN" altLang="en-US" sz="2800" dirty="0"/>
-              <a:t>表），数字人项目的部署（测试输出视频）</a:t>
+              <a:t>表）</a:t>
+            </a:r>
+            <a:endParaRPr lang="en-US" altLang="zh-CN" sz="2800" dirty="0"/>
+          </a:p>
+          <a:p>
+            <a:pPr marL="457200" indent="-457200">
+              <a:buFont typeface="Arial" panose="020B0604020202020204" pitchFamily="34" charset="0"/>
+              <a:buChar char="•"/>
+            </a:pPr>
+            <a:r>
+              <a:rPr lang="zh-CN" altLang="en-US" sz="2800" dirty="0"/>
+              <a:t>数字人项目的部署（测试输出视频）</a:t>
             </a:r>
             <a:endParaRPr lang="en-US" altLang="zh-CN" sz="2800" dirty="0"/>
           </a:p>
@@ -3906,7 +4314,7 @@
             </a:pPr>
             <a:r>
               <a:rPr lang="zh-CN" altLang="en-US" sz="2800" dirty="0"/>
-              <a:t>待完成内容：其他种类题目的导入，丰富题目的多样性，撰写一份测试报告，后续规划中数字人功能的集成</a:t>
+              <a:t>待完成内容：其他种类题目的导入，丰富题目的多样性，进行系统测试（登录注册），后续规划中数字人功能的集成</a:t>
             </a:r>
           </a:p>
         </p:txBody>

--- a/docs/yuz/1009汇报.pptx
+++ b/docs/yuz/1009汇报.pptx
@@ -3860,7 +3860,7 @@
         <p:spPr>
           <a:xfrm>
             <a:off x="1387098" y="1186211"/>
-            <a:ext cx="7911885" cy="6001643"/>
+            <a:ext cx="8454326" cy="6001643"/>
           </a:xfrm>
           <a:prstGeom prst="rect">
             <a:avLst/>

--- a/docs/yuz/1009汇报.pptx
+++ b/docs/yuz/1009汇报.pptx
@@ -4122,6 +4122,30 @@
               <a:rPr lang="zh-CN" altLang="en-US" b="1" dirty="0"/>
               <a:t>博客</a:t>
             </a:r>
+            <a:r>
+              <a:rPr lang="en-US" altLang="zh-CN" dirty="0">
+                <a:hlinkClick r:id="rId2"/>
+              </a:rPr>
+              <a:t>git</a:t>
+            </a:r>
+            <a:r>
+              <a:rPr lang="zh-CN" altLang="en-US" dirty="0">
+                <a:hlinkClick r:id="rId2"/>
+              </a:rPr>
+              <a:t>上传明明有权限却无法上传</a:t>
+            </a:r>
+            <a:r>
+              <a:rPr lang="en-US" altLang="zh-CN" dirty="0">
+                <a:hlinkClick r:id="rId2"/>
+              </a:rPr>
+              <a:t>-CSDN</a:t>
+            </a:r>
+            <a:r>
+              <a:rPr lang="zh-CN" altLang="en-US" dirty="0">
+                <a:hlinkClick r:id="rId2"/>
+              </a:rPr>
+              <a:t>博客</a:t>
+            </a:r>
             <a:endParaRPr lang="en-US" altLang="zh-CN" b="1" dirty="0"/>
           </a:p>
           <a:p>
@@ -4185,7 +4209,7 @@
         <p:spPr>
           <a:xfrm>
             <a:off x="1007389" y="565688"/>
-            <a:ext cx="9787179" cy="5693866"/>
+            <a:ext cx="9787179" cy="6124754"/>
           </a:xfrm>
           <a:prstGeom prst="rect">
             <a:avLst/>
@@ -4244,6 +4268,17 @@
             <a:r>
               <a:rPr lang="zh-CN" altLang="en-US" sz="2800" dirty="0"/>
               <a:t>完成成果物：</a:t>
+            </a:r>
+            <a:endParaRPr lang="en-US" altLang="zh-CN" sz="2800" dirty="0"/>
+          </a:p>
+          <a:p>
+            <a:pPr marL="457200" indent="-457200">
+              <a:buFont typeface="Arial" panose="020B0604020202020204" pitchFamily="34" charset="0"/>
+              <a:buChar char="•"/>
+            </a:pPr>
+            <a:r>
+              <a:rPr lang="zh-CN" altLang="en-US" sz="2800" dirty="0"/>
+              <a:t>数据库设计文档</a:t>
             </a:r>
             <a:endParaRPr lang="en-US" altLang="zh-CN" sz="2800" dirty="0"/>
           </a:p>

--- a/docs/yuz/1009汇报.pptx
+++ b/docs/yuz/1009汇报.pptx
@@ -269,7 +269,7 @@
           <a:p>
             <a:fld id="{6A6024AC-1A32-483A-9A5A-27C01B1675A6}" type="datetimeFigureOut">
               <a:rPr lang="zh-CN" altLang="en-US" smtClean="0"/>
-              <a:t>2025/10/9</a:t>
+              <a:t>2025/10/11</a:t>
             </a:fld>
             <a:endParaRPr lang="zh-CN" altLang="en-US"/>
           </a:p>
@@ -467,7 +467,7 @@
           <a:p>
             <a:fld id="{6A6024AC-1A32-483A-9A5A-27C01B1675A6}" type="datetimeFigureOut">
               <a:rPr lang="zh-CN" altLang="en-US" smtClean="0"/>
-              <a:t>2025/10/9</a:t>
+              <a:t>2025/10/11</a:t>
             </a:fld>
             <a:endParaRPr lang="zh-CN" altLang="en-US"/>
           </a:p>
@@ -675,7 +675,7 @@
           <a:p>
             <a:fld id="{6A6024AC-1A32-483A-9A5A-27C01B1675A6}" type="datetimeFigureOut">
               <a:rPr lang="zh-CN" altLang="en-US" smtClean="0"/>
-              <a:t>2025/10/9</a:t>
+              <a:t>2025/10/11</a:t>
             </a:fld>
             <a:endParaRPr lang="zh-CN" altLang="en-US"/>
           </a:p>
@@ -873,7 +873,7 @@
           <a:p>
             <a:fld id="{6A6024AC-1A32-483A-9A5A-27C01B1675A6}" type="datetimeFigureOut">
               <a:rPr lang="zh-CN" altLang="en-US" smtClean="0"/>
-              <a:t>2025/10/9</a:t>
+              <a:t>2025/10/11</a:t>
             </a:fld>
             <a:endParaRPr lang="zh-CN" altLang="en-US"/>
           </a:p>
@@ -1148,7 +1148,7 @@
           <a:p>
             <a:fld id="{6A6024AC-1A32-483A-9A5A-27C01B1675A6}" type="datetimeFigureOut">
               <a:rPr lang="zh-CN" altLang="en-US" smtClean="0"/>
-              <a:t>2025/10/9</a:t>
+              <a:t>2025/10/11</a:t>
             </a:fld>
             <a:endParaRPr lang="zh-CN" altLang="en-US"/>
           </a:p>
@@ -1413,7 +1413,7 @@
           <a:p>
             <a:fld id="{6A6024AC-1A32-483A-9A5A-27C01B1675A6}" type="datetimeFigureOut">
               <a:rPr lang="zh-CN" altLang="en-US" smtClean="0"/>
-              <a:t>2025/10/9</a:t>
+              <a:t>2025/10/11</a:t>
             </a:fld>
             <a:endParaRPr lang="zh-CN" altLang="en-US"/>
           </a:p>
@@ -1825,7 +1825,7 @@
           <a:p>
             <a:fld id="{6A6024AC-1A32-483A-9A5A-27C01B1675A6}" type="datetimeFigureOut">
               <a:rPr lang="zh-CN" altLang="en-US" smtClean="0"/>
-              <a:t>2025/10/9</a:t>
+              <a:t>2025/10/11</a:t>
             </a:fld>
             <a:endParaRPr lang="zh-CN" altLang="en-US"/>
           </a:p>
@@ -1966,7 +1966,7 @@
           <a:p>
             <a:fld id="{6A6024AC-1A32-483A-9A5A-27C01B1675A6}" type="datetimeFigureOut">
               <a:rPr lang="zh-CN" altLang="en-US" smtClean="0"/>
-              <a:t>2025/10/9</a:t>
+              <a:t>2025/10/11</a:t>
             </a:fld>
             <a:endParaRPr lang="zh-CN" altLang="en-US"/>
           </a:p>
@@ -2079,7 +2079,7 @@
           <a:p>
             <a:fld id="{6A6024AC-1A32-483A-9A5A-27C01B1675A6}" type="datetimeFigureOut">
               <a:rPr lang="zh-CN" altLang="en-US" smtClean="0"/>
-              <a:t>2025/10/9</a:t>
+              <a:t>2025/10/11</a:t>
             </a:fld>
             <a:endParaRPr lang="zh-CN" altLang="en-US"/>
           </a:p>
@@ -2390,7 +2390,7 @@
           <a:p>
             <a:fld id="{6A6024AC-1A32-483A-9A5A-27C01B1675A6}" type="datetimeFigureOut">
               <a:rPr lang="zh-CN" altLang="en-US" smtClean="0"/>
-              <a:t>2025/10/9</a:t>
+              <a:t>2025/10/11</a:t>
             </a:fld>
             <a:endParaRPr lang="zh-CN" altLang="en-US"/>
           </a:p>
@@ -2678,7 +2678,7 @@
           <a:p>
             <a:fld id="{6A6024AC-1A32-483A-9A5A-27C01B1675A6}" type="datetimeFigureOut">
               <a:rPr lang="zh-CN" altLang="en-US" smtClean="0"/>
-              <a:t>2025/10/9</a:t>
+              <a:t>2025/10/11</a:t>
             </a:fld>
             <a:endParaRPr lang="zh-CN" altLang="en-US"/>
           </a:p>
@@ -2919,7 +2919,7 @@
           <a:p>
             <a:fld id="{6A6024AC-1A32-483A-9A5A-27C01B1675A6}" type="datetimeFigureOut">
               <a:rPr lang="zh-CN" altLang="en-US" smtClean="0"/>
-              <a:t>2025/10/9</a:t>
+              <a:t>2025/10/11</a:t>
             </a:fld>
             <a:endParaRPr lang="zh-CN" altLang="en-US"/>
           </a:p>
@@ -4208,8 +4208,8 @@
         </p:nvSpPr>
         <p:spPr>
           <a:xfrm>
-            <a:off x="1007389" y="565688"/>
-            <a:ext cx="9787179" cy="6124754"/>
+            <a:off x="1022887" y="151179"/>
+            <a:ext cx="9787179" cy="6555641"/>
           </a:xfrm>
           <a:prstGeom prst="rect">
             <a:avLst/>
@@ -4272,7 +4272,7 @@
             <a:endParaRPr lang="en-US" altLang="zh-CN" sz="2800" dirty="0"/>
           </a:p>
           <a:p>
-            <a:pPr marL="457200" indent="-457200">
+            <a:pPr marL="914400" lvl="1" indent="-457200">
               <a:buFont typeface="Arial" panose="020B0604020202020204" pitchFamily="34" charset="0"/>
               <a:buChar char="•"/>
             </a:pPr>
@@ -4283,7 +4283,7 @@
             <a:endParaRPr lang="en-US" altLang="zh-CN" sz="2800" dirty="0"/>
           </a:p>
           <a:p>
-            <a:pPr marL="457200" indent="-457200">
+            <a:pPr marL="914400" lvl="1" indent="-457200">
               <a:buFont typeface="Arial" panose="020B0604020202020204" pitchFamily="34" charset="0"/>
               <a:buChar char="•"/>
             </a:pPr>
@@ -4306,7 +4306,7 @@
             <a:endParaRPr lang="en-US" altLang="zh-CN" sz="2800" dirty="0"/>
           </a:p>
           <a:p>
-            <a:pPr marL="457200" indent="-457200">
+            <a:pPr marL="914400" lvl="1" indent="-457200">
               <a:buFont typeface="Arial" panose="020B0604020202020204" pitchFamily="34" charset="0"/>
               <a:buChar char="•"/>
             </a:pPr>
@@ -4325,7 +4325,7 @@
             <a:endParaRPr lang="en-US" altLang="zh-CN" sz="2800" dirty="0"/>
           </a:p>
           <a:p>
-            <a:pPr marL="457200" indent="-457200">
+            <a:pPr marL="914400" lvl="1" indent="-457200">
               <a:buFont typeface="Arial" panose="020B0604020202020204" pitchFamily="34" charset="0"/>
               <a:buChar char="•"/>
             </a:pPr>
@@ -4336,7 +4336,22 @@
             <a:endParaRPr lang="en-US" altLang="zh-CN" sz="2800" dirty="0"/>
           </a:p>
           <a:p>
-            <a:pPr marL="457200" indent="-457200">
+            <a:pPr marL="914400" lvl="1" indent="-457200">
+              <a:buFont typeface="Arial" panose="020B0604020202020204" pitchFamily="34" charset="0"/>
+              <a:buChar char="•"/>
+            </a:pPr>
+            <a:r>
+              <a:rPr lang="en-US" altLang="zh-CN" sz="2800" dirty="0"/>
+              <a:t>CSDN</a:t>
+            </a:r>
+            <a:r>
+              <a:rPr lang="zh-CN" altLang="en-US" sz="2800" dirty="0"/>
+              <a:t>文章一篇</a:t>
+            </a:r>
+            <a:endParaRPr lang="en-US" altLang="zh-CN" sz="2800" dirty="0"/>
+          </a:p>
+          <a:p>
+            <a:pPr marL="914400" lvl="1" indent="-457200">
               <a:buFont typeface="Arial" panose="020B0604020202020204" pitchFamily="34" charset="0"/>
               <a:buChar char="•"/>
             </a:pPr>
